--- a/week14_cloud/day3_cloud_III_big_data/Big Data.pptx
+++ b/week14_cloud/day3_cloud_III_big_data/Big Data.pptx
@@ -261,7 +261,7 @@
       <p15:sldGuideLst xmlns:p15="http://schemas.microsoft.com/office/powerpoint/2012/main"/>
     </p:ext>
     <p:ext uri="http://customooxmlschemas.google.com/">
-      <go:slidesCustomData xmlns:go="http://customooxmlschemas.google.com/" xmlns:ahyp="http://schemas.microsoft.com/office/drawing/2018/hyperlinkcolor" xmlns:p15="http://schemas.microsoft.com/office/powerpoint/2012/main" xmlns:p14="http://schemas.microsoft.com/office/powerpoint/2010/main" xmlns:com="http://schemas.openxmlformats.org/drawingml/2006/compatibility" xmlns:pvml="urn:schemas-microsoft-com:office:powerpoint" xmlns:v="urn:schemas-microsoft-com:vml" xmlns:o="urn:schemas-microsoft-com:office:office" xmlns:dgm="http://schemas.openxmlformats.org/drawingml/2006/diagram" xmlns:c="http://schemas.openxmlformats.org/drawingml/2006/chart" xmlns:mv="urn:schemas-microsoft-com:mac:vml" xmlns:mc="http://schemas.openxmlformats.org/markup-compatibility/2006" xmlns="" r:id="rId35" roundtripDataSignature="AMtx7miuGAYpEUa6YWxgWsB/YZMBTWybsQ=="/>
+      <go:slidesCustomData xmlns="" xmlns:mc="http://schemas.openxmlformats.org/markup-compatibility/2006" xmlns:mv="urn:schemas-microsoft-com:mac:vml" xmlns:c="http://schemas.openxmlformats.org/drawingml/2006/chart" xmlns:dgm="http://schemas.openxmlformats.org/drawingml/2006/diagram" xmlns:o="urn:schemas-microsoft-com:office:office" xmlns:v="urn:schemas-microsoft-com:vml" xmlns:pvml="urn:schemas-microsoft-com:office:powerpoint" xmlns:com="http://schemas.openxmlformats.org/drawingml/2006/compatibility" xmlns:p14="http://schemas.microsoft.com/office/powerpoint/2010/main" xmlns:p15="http://schemas.microsoft.com/office/powerpoint/2012/main" xmlns:ahyp="http://schemas.microsoft.com/office/drawing/2018/hyperlinkcolor" xmlns:go="http://customooxmlschemas.google.com/" r:id="rId35" roundtripDataSignature="AMtx7miuGAYpEUa6YWxgWsB/YZMBTWybsQ=="/>
     </p:ext>
   </p:extLst>
 </p:presentation>
@@ -1211,7 +1211,7 @@
                 <a:cs typeface="Calibri"/>
                 <a:sym typeface="Calibri"/>
               </a:rPr>
-              <a:t>‹Nº›</a:t>
+              <a:t>‹#›</a:t>
             </a:fld>
             <a:endParaRPr sz="1200" b="0" i="0" u="none" strike="noStrike" cap="none">
               <a:solidFill>
@@ -3908,7 +3908,7 @@
             </a:pPr>
             <a:fld id="{00000000-1234-1234-1234-123412341234}" type="slidenum">
               <a:rPr lang="es-ES"/>
-              <a:t>‹Nº›</a:t>
+              <a:t>‹#›</a:t>
             </a:fld>
             <a:endParaRPr/>
           </a:p>
@@ -4635,7 +4635,7 @@
             </a:pPr>
             <a:fld id="{00000000-1234-1234-1234-123412341234}" type="slidenum">
               <a:rPr lang="es-ES"/>
-              <a:t>‹Nº›</a:t>
+              <a:t>‹#›</a:t>
             </a:fld>
             <a:endParaRPr/>
           </a:p>
@@ -5362,7 +5362,7 @@
             </a:pPr>
             <a:fld id="{00000000-1234-1234-1234-123412341234}" type="slidenum">
               <a:rPr lang="es-ES"/>
-              <a:t>‹Nº›</a:t>
+              <a:t>‹#›</a:t>
             </a:fld>
             <a:endParaRPr/>
           </a:p>
@@ -6089,7 +6089,7 @@
             </a:pPr>
             <a:fld id="{00000000-1234-1234-1234-123412341234}" type="slidenum">
               <a:rPr lang="es-ES"/>
-              <a:t>‹Nº›</a:t>
+              <a:t>‹#›</a:t>
             </a:fld>
             <a:endParaRPr/>
           </a:p>
@@ -6853,7 +6853,7 @@
             </a:pPr>
             <a:fld id="{00000000-1234-1234-1234-123412341234}" type="slidenum">
               <a:rPr lang="es-ES"/>
-              <a:t>‹Nº›</a:t>
+              <a:t>‹#›</a:t>
             </a:fld>
             <a:endParaRPr/>
           </a:p>
@@ -7767,7 +7767,7 @@
             </a:pPr>
             <a:fld id="{00000000-1234-1234-1234-123412341234}" type="slidenum">
               <a:rPr lang="es-ES"/>
-              <a:t>‹Nº›</a:t>
+              <a:t>‹#›</a:t>
             </a:fld>
             <a:endParaRPr/>
           </a:p>
@@ -9055,7 +9055,7 @@
             </a:pPr>
             <a:fld id="{00000000-1234-1234-1234-123412341234}" type="slidenum">
               <a:rPr lang="es-ES"/>
-              <a:t>‹Nº›</a:t>
+              <a:t>‹#›</a:t>
             </a:fld>
             <a:endParaRPr/>
           </a:p>
@@ -9595,7 +9595,7 @@
             </a:pPr>
             <a:fld id="{00000000-1234-1234-1234-123412341234}" type="slidenum">
               <a:rPr lang="es-ES"/>
-              <a:t>‹Nº›</a:t>
+              <a:t>‹#›</a:t>
             </a:fld>
             <a:endParaRPr/>
           </a:p>
@@ -9996,7 +9996,7 @@
             </a:pPr>
             <a:fld id="{00000000-1234-1234-1234-123412341234}" type="slidenum">
               <a:rPr lang="es-ES"/>
-              <a:t>‹Nº›</a:t>
+              <a:t>‹#›</a:t>
             </a:fld>
             <a:endParaRPr/>
           </a:p>
@@ -10911,7 +10911,7 @@
             </a:pPr>
             <a:fld id="{00000000-1234-1234-1234-123412341234}" type="slidenum">
               <a:rPr lang="es-ES"/>
-              <a:t>‹Nº›</a:t>
+              <a:t>‹#›</a:t>
             </a:fld>
             <a:endParaRPr/>
           </a:p>
@@ -11907,7 +11907,7 @@
             </a:pPr>
             <a:fld id="{00000000-1234-1234-1234-123412341234}" type="slidenum">
               <a:rPr lang="es-ES"/>
-              <a:t>‹Nº›</a:t>
+              <a:t>‹#›</a:t>
             </a:fld>
             <a:endParaRPr/>
           </a:p>
@@ -12948,7 +12948,7 @@
             </a:pPr>
             <a:fld id="{00000000-1234-1234-1234-123412341234}" type="slidenum">
               <a:rPr lang="es-ES"/>
-              <a:t>‹Nº›</a:t>
+              <a:t>‹#›</a:t>
             </a:fld>
             <a:endParaRPr/>
           </a:p>
@@ -17011,7 +17011,7 @@
             </a:pPr>
             <a:r>
               <a:rPr lang="es-ES" dirty="0"/>
-              <a:t>Las famosas 3 </a:t>
+              <a:t>Las famosas 5 </a:t>
             </a:r>
             <a:r>
               <a:rPr lang="es-ES" dirty="0" err="1"/>
